--- a/lectures/Lecture 3 - Search.pptx
+++ b/lectures/Lecture 3 - Search.pptx
@@ -24908,8 +24908,16 @@
           <a:p>
             <a:pPr lvl="0"/>
             <a:r>
-              <a:rPr lang="en-US" smtClean="0"/>
-              <a:t>Lab 3 – Search</a:t>
+              <a:rPr lang="en-US" dirty="0" smtClean="0"/>
+              <a:t>Lab </a:t>
+            </a:r>
+            <a:r>
+              <a:rPr lang="en-US" dirty="0" smtClean="0"/>
+              <a:t>5 </a:t>
+            </a:r>
+            <a:r>
+              <a:rPr lang="en-US" dirty="0" smtClean="0"/>
+              <a:t>– Search</a:t>
             </a:r>
             <a:endParaRPr lang="en-US" dirty="0"/>
           </a:p>

--- a/lectures/Lecture 3 - Search.pptx
+++ b/lectures/Lecture 3 - Search.pptx
@@ -21326,6 +21326,47 @@
           </a:p>
         </p:txBody>
       </p:sp>
+      <p:pic>
+        <p:nvPicPr>
+          <p:cNvPr id="4" name="Picture 2" descr="https://lh4.googleusercontent.com/S34j9hYJ8iTSslnIDUFC_cQaOdCUdUs5cW3t21ic_4ic5DHHl_aK0no9srRbSwtlsTRhUYr2bOsLpnmRf1uEJPQipsfhVO_TuuR2rDxrkMhyRKTRh-eYWTQJtIaKLQqGMIdFtuneauA"/>
+          <p:cNvPicPr>
+            <a:picLocks noChangeAspect="1" noChangeArrowheads="1"/>
+          </p:cNvPicPr>
+          <p:nvPr/>
+        </p:nvPicPr>
+        <p:blipFill>
+          <a:blip r:embed="rId4">
+            <a:extLst>
+              <a:ext uri="{28A0092B-C50C-407E-A947-70E740481C1C}">
+                <a14:useLocalDpi xmlns:a14="http://schemas.microsoft.com/office/drawing/2010/main" val="0"/>
+              </a:ext>
+            </a:extLst>
+          </a:blip>
+          <a:srcRect/>
+          <a:stretch>
+            <a:fillRect/>
+          </a:stretch>
+        </p:blipFill>
+        <p:spPr bwMode="auto">
+          <a:xfrm>
+            <a:off x="4800600" y="0"/>
+            <a:ext cx="4343400" cy="2571750"/>
+          </a:xfrm>
+          <a:prstGeom prst="rect">
+            <a:avLst/>
+          </a:prstGeom>
+          <a:noFill/>
+          <a:extLst>
+            <a:ext uri="{909E8E84-426E-40DD-AFC4-6F175D3DCCD1}">
+              <a14:hiddenFill xmlns:a14="http://schemas.microsoft.com/office/drawing/2010/main">
+                <a:solidFill>
+                  <a:srgbClr val="FFFFFF"/>
+                </a:solidFill>
+              </a14:hiddenFill>
+            </a:ext>
+          </a:extLst>
+        </p:spPr>
+      </p:pic>
     </p:spTree>
   </p:cSld>
   <p:clrMapOvr>
@@ -24909,15 +24950,7 @@
             <a:pPr lvl="0"/>
             <a:r>
               <a:rPr lang="en-US" dirty="0" smtClean="0"/>
-              <a:t>Lab </a:t>
-            </a:r>
-            <a:r>
-              <a:rPr lang="en-US" dirty="0" smtClean="0"/>
-              <a:t>5 </a:t>
-            </a:r>
-            <a:r>
-              <a:rPr lang="en-US" dirty="0" smtClean="0"/>
-              <a:t>– Search</a:t>
+              <a:t>Lab 5 – Search</a:t>
             </a:r>
             <a:endParaRPr lang="en-US" dirty="0"/>
           </a:p>
